--- a/Getting started with scrapy.pptx
+++ b/Getting started with scrapy.pptx
@@ -3902,43 +3902,67 @@
             </a:r>
             <a:r>
               <a:rPr lang="en-IN" dirty="0" smtClean="0"/>
-              <a:t>. For detailed tutorial refer </a:t>
-            </a:r>
-          </a:p>
-          <a:p>
-            <a:endParaRPr lang="en-IN" dirty="0"/>
-          </a:p>
-          <a:p>
-            <a:r>
-              <a:rPr lang="en-IN" dirty="0" smtClean="0">
-                <a:hlinkClick r:id="rId2"/>
-              </a:rPr>
-              <a:t>https</a:t>
-            </a:r>
+              <a:t>. </a:t>
+            </a:r>
+            <a:endParaRPr lang="en-IN" dirty="0" smtClean="0"/>
+          </a:p>
+          <a:p>
             <a:r>
               <a:rPr lang="en-IN" dirty="0">
                 <a:hlinkClick r:id="rId2"/>
               </a:rPr>
-              <a:t>://</a:t>
-            </a:r>
+              <a:t>https://github.com/shanmuga-cv/scrapy-getting-started</a:t>
+            </a:r>
+            <a:endParaRPr lang="en-IN" dirty="0" smtClean="0"/>
+          </a:p>
+          <a:p>
+            <a:pPr marL="0" indent="0">
+              <a:buNone/>
+            </a:pPr>
+            <a:r>
+              <a:rPr lang="en-IN"/>
+              <a:t/>
+            </a:r>
+            <a:br>
+              <a:rPr lang="en-IN"/>
+            </a:br>
+            <a:r>
+              <a:rPr lang="en-IN"/>
+              <a:t>For detailed tutorial refer</a:t>
+            </a:r>
+            <a:endParaRPr lang="en-IN" dirty="0"/>
+          </a:p>
+          <a:p>
             <a:r>
               <a:rPr lang="en-IN" dirty="0" smtClean="0">
-                <a:hlinkClick r:id="rId2"/>
+                <a:hlinkClick r:id="rId3"/>
               </a:rPr>
-              <a:t>doc.scrapy.org/en/latest/intro/tutorial.html</a:t>
-            </a:r>
-            <a:endParaRPr lang="en-IN" dirty="0" smtClean="0"/>
-          </a:p>
-          <a:p>
+              <a:t>https</a:t>
+            </a:r>
             <a:r>
               <a:rPr lang="en-IN" dirty="0">
                 <a:hlinkClick r:id="rId3"/>
               </a:rPr>
-              <a:t>https://</a:t>
+              <a:t>://</a:t>
             </a:r>
             <a:r>
               <a:rPr lang="en-IN" dirty="0" smtClean="0">
                 <a:hlinkClick r:id="rId3"/>
+              </a:rPr>
+              <a:t>doc.scrapy.org/en/latest/intro/tutorial.html</a:t>
+            </a:r>
+            <a:endParaRPr lang="en-IN" dirty="0" smtClean="0"/>
+          </a:p>
+          <a:p>
+            <a:r>
+              <a:rPr lang="en-IN" dirty="0">
+                <a:hlinkClick r:id="rId4"/>
+              </a:rPr>
+              <a:t>https://</a:t>
+            </a:r>
+            <a:r>
+              <a:rPr lang="en-IN" dirty="0" smtClean="0">
+                <a:hlinkClick r:id="rId4"/>
               </a:rPr>
               <a:t>www.youtube.com/watch?v=vkA1cWN4DEc&amp;list=PLZyvi_9gamL-EE3zQJbU5N3nzJcfNeFHU</a:t>
             </a:r>
